--- a/www/Figs/hexsticker.pptx
+++ b/www/Figs/hexsticker.pptx
@@ -3497,8 +3497,8 @@
         </p:blipFill>
         <p:spPr>
           <a:xfrm>
-            <a:off x="4213904" y="1299261"/>
-            <a:ext cx="2083713" cy="1733650"/>
+            <a:off x="3924193" y="1299261"/>
+            <a:ext cx="2687876" cy="2236314"/>
           </a:xfrm>
           <a:prstGeom prst="rect">
             <a:avLst/>
@@ -3529,36 +3529,6 @@
           <a:xfrm>
             <a:off x="582986" y="1003023"/>
             <a:ext cx="2688569" cy="2828789"/>
-          </a:xfrm>
-          <a:prstGeom prst="rect">
-            <a:avLst/>
-          </a:prstGeom>
-        </p:spPr>
-      </p:pic>
-      <p:pic>
-        <p:nvPicPr>
-          <p:cNvPr id="8" name="Picture 7"/>
-          <p:cNvPicPr>
-            <a:picLocks noChangeAspect="1"/>
-          </p:cNvPicPr>
-          <p:nvPr/>
-        </p:nvPicPr>
-        <p:blipFill>
-          <a:blip r:embed="rId5">
-            <a:extLst>
-              <a:ext uri="{28A0092B-C50C-407E-A947-70E740481C1C}">
-                <a14:useLocalDpi xmlns:a14="http://schemas.microsoft.com/office/drawing/2010/main" val="0"/>
-              </a:ext>
-            </a:extLst>
-          </a:blip>
-          <a:stretch>
-            <a:fillRect/>
-          </a:stretch>
-        </p:blipFill>
-        <p:spPr>
-          <a:xfrm>
-            <a:off x="4899056" y="2838073"/>
-            <a:ext cx="723146" cy="723146"/>
           </a:xfrm>
           <a:prstGeom prst="rect">
             <a:avLst/>
@@ -3617,7 +3587,7 @@
         </p:blipFill>
         <p:spPr>
           <a:xfrm>
-            <a:off x="170684" y="545823"/>
+            <a:off x="3466145" y="545823"/>
             <a:ext cx="4996720" cy="5257320"/>
           </a:xfrm>
           <a:prstGeom prst="rect">
@@ -3625,123 +3595,6 @@
           </a:prstGeom>
         </p:spPr>
       </p:pic>
-      <p:grpSp>
-        <p:nvGrpSpPr>
-          <p:cNvPr id="6" name="Group 5"/>
-          <p:cNvGrpSpPr/>
-          <p:nvPr/>
-        </p:nvGrpSpPr>
-        <p:grpSpPr>
-          <a:xfrm>
-            <a:off x="6944106" y="2114550"/>
-            <a:ext cx="1828800" cy="1828800"/>
-            <a:chOff x="6944106" y="2114550"/>
-            <a:chExt cx="1828800" cy="1828800"/>
-          </a:xfrm>
-        </p:grpSpPr>
-        <p:sp>
-          <p:nvSpPr>
-            <p:cNvPr id="5" name="Rectangle 4"/>
-            <p:cNvSpPr/>
-            <p:nvPr/>
-          </p:nvSpPr>
-          <p:spPr>
-            <a:xfrm>
-              <a:off x="6944106" y="2114550"/>
-              <a:ext cx="1828800" cy="1828800"/>
-            </a:xfrm>
-            <a:prstGeom prst="rect">
-              <a:avLst/>
-            </a:prstGeom>
-            <a:solidFill>
-              <a:schemeClr val="bg1"/>
-            </a:solidFill>
-            <a:ln>
-              <a:noFill/>
-            </a:ln>
-          </p:spPr>
-          <p:style>
-            <a:lnRef idx="2">
-              <a:schemeClr val="accent1">
-                <a:shade val="50000"/>
-              </a:schemeClr>
-            </a:lnRef>
-            <a:fillRef idx="1">
-              <a:schemeClr val="accent1"/>
-            </a:fillRef>
-            <a:effectRef idx="0">
-              <a:schemeClr val="accent1"/>
-            </a:effectRef>
-            <a:fontRef idx="minor">
-              <a:schemeClr val="lt1"/>
-            </a:fontRef>
-          </p:style>
-          <p:txBody>
-            <a:bodyPr rtlCol="0" anchor="ctr"/>
-            <a:lstStyle/>
-            <a:p>
-              <a:pPr algn="ctr"/>
-              <a:endParaRPr lang="en-US"/>
-            </a:p>
-          </p:txBody>
-        </p:sp>
-        <p:sp>
-          <p:nvSpPr>
-            <p:cNvPr id="4" name="Rectangle 3"/>
-            <p:cNvSpPr/>
-            <p:nvPr/>
-          </p:nvSpPr>
-          <p:spPr>
-            <a:xfrm>
-              <a:off x="7067550" y="2114550"/>
-              <a:ext cx="1581912" cy="1828800"/>
-            </a:xfrm>
-            <a:prstGeom prst="rect">
-              <a:avLst/>
-            </a:prstGeom>
-            <a:blipFill dpi="0" rotWithShape="1">
-              <a:blip r:embed="rId3">
-                <a:extLst>
-                  <a:ext uri="{28A0092B-C50C-407E-A947-70E740481C1C}">
-                    <a14:useLocalDpi xmlns:a14="http://schemas.microsoft.com/office/drawing/2010/main" val="0"/>
-                  </a:ext>
-                </a:extLst>
-              </a:blip>
-              <a:srcRect/>
-              <a:stretch>
-                <a:fillRect/>
-              </a:stretch>
-            </a:blipFill>
-            <a:ln>
-              <a:noFill/>
-            </a:ln>
-          </p:spPr>
-          <p:style>
-            <a:lnRef idx="2">
-              <a:schemeClr val="accent1">
-                <a:shade val="50000"/>
-              </a:schemeClr>
-            </a:lnRef>
-            <a:fillRef idx="1">
-              <a:schemeClr val="accent1"/>
-            </a:fillRef>
-            <a:effectRef idx="0">
-              <a:schemeClr val="accent1"/>
-            </a:effectRef>
-            <a:fontRef idx="minor">
-              <a:schemeClr val="lt1"/>
-            </a:fontRef>
-          </p:style>
-          <p:txBody>
-            <a:bodyPr rtlCol="0" anchor="ctr"/>
-            <a:lstStyle/>
-            <a:p>
-              <a:pPr algn="ctr"/>
-              <a:endParaRPr lang="en-US"/>
-            </a:p>
-          </p:txBody>
-        </p:sp>
-      </p:grpSp>
     </p:spTree>
     <p:extLst>
       <p:ext uri="{BB962C8B-B14F-4D97-AF65-F5344CB8AC3E}">
